--- a/Data Science/Coursework/presentation.pptx
+++ b/Data Science/Coursework/presentation.pptx
@@ -69,7 +69,7 @@
         <p:txBody>
           <a:bodyPr/>
           <a:p>
-            <a:fld id="{1CE2E570-F821-4537-865F-4B1AAF73D2B8}" type="slidenum">
+            <a:fld id="{C6C0CF76-0525-4D72-8A62-761D056E84A6}" type="slidenum">
               <a:t>&lt;#&gt;</a:t>
             </a:fld>
           </a:p>
@@ -278,7 +278,7 @@
         <p:txBody>
           <a:bodyPr/>
           <a:p>
-            <a:fld id="{E62C2F88-B13A-43FC-90FD-32338DC7C59E}" type="slidenum">
+            <a:fld id="{D5F583F7-AE14-483A-974E-434A0999EB5E}" type="slidenum">
               <a:t>&lt;#&gt;</a:t>
             </a:fld>
           </a:p>
@@ -573,7 +573,7 @@
         <p:txBody>
           <a:bodyPr/>
           <a:p>
-            <a:fld id="{16C5E2C8-CA42-4231-934B-3893F4CA7B00}" type="slidenum">
+            <a:fld id="{F4D0D8C0-2ED2-493A-AD75-96D5E0511279}" type="slidenum">
               <a:t>&lt;#&gt;</a:t>
             </a:fld>
           </a:p>
@@ -954,7 +954,7 @@
         <p:txBody>
           <a:bodyPr/>
           <a:p>
-            <a:fld id="{89E88F9D-7FE8-4C82-ADF9-CADF8BC462C0}" type="slidenum">
+            <a:fld id="{A9A65CD6-79D0-421C-82C6-5BB93E91EA98}" type="slidenum">
               <a:t>&lt;#&gt;</a:t>
             </a:fld>
           </a:p>
@@ -1037,7 +1037,7 @@
         <p:txBody>
           <a:bodyPr/>
           <a:p>
-            <a:fld id="{9C262EC0-333A-4EC4-91E1-55E7FC056BB8}" type="slidenum">
+            <a:fld id="{0B4E8606-3CCC-4084-8EFA-EFDD182E9102}" type="slidenum">
               <a:t>&lt;#&gt;</a:t>
             </a:fld>
           </a:p>
@@ -1200,7 +1200,7 @@
         <p:txBody>
           <a:bodyPr/>
           <a:p>
-            <a:fld id="{3EB7C0BE-0B26-4092-82DA-F67FC7D762A0}" type="slidenum">
+            <a:fld id="{9607619D-889F-4582-9B4A-B491925BB021}" type="slidenum">
               <a:t>&lt;#&gt;</a:t>
             </a:fld>
           </a:p>
@@ -1366,7 +1366,7 @@
         <p:txBody>
           <a:bodyPr/>
           <a:p>
-            <a:fld id="{82C000D8-897A-466A-8A2B-35B23829E740}" type="slidenum">
+            <a:fld id="{4E80A708-39BA-4E92-9D06-2D1E679C1526}" type="slidenum">
               <a:t>&lt;#&gt;</a:t>
             </a:fld>
           </a:p>
@@ -1575,7 +1575,7 @@
         <p:txBody>
           <a:bodyPr/>
           <a:p>
-            <a:fld id="{CF124809-289B-4027-9DA1-8E4DFC8DAB17}" type="slidenum">
+            <a:fld id="{F2C2FAA0-A0B4-42D0-845F-1D4AC3CC2352}" type="slidenum">
               <a:t>&lt;#&gt;</a:t>
             </a:fld>
           </a:p>
@@ -1698,7 +1698,7 @@
         <p:txBody>
           <a:bodyPr/>
           <a:p>
-            <a:fld id="{3D814E97-9009-4558-9AD6-C04F4D275DB9}" type="slidenum">
+            <a:fld id="{CBB27E09-B876-48C2-A6D8-7965EDF6200A}" type="slidenum">
               <a:t>&lt;#&gt;</a:t>
             </a:fld>
           </a:p>
@@ -1819,7 +1819,7 @@
         <p:txBody>
           <a:bodyPr/>
           <a:p>
-            <a:fld id="{C1DE9D93-7B40-4E0C-85E1-38321FE99F92}" type="slidenum">
+            <a:fld id="{DEEAD10A-82D1-4B75-9D4B-6907E070AF75}" type="slidenum">
               <a:t>&lt;#&gt;</a:t>
             </a:fld>
           </a:p>
@@ -2071,7 +2071,7 @@
         <p:txBody>
           <a:bodyPr/>
           <a:p>
-            <a:fld id="{549EE437-A6F7-4B9E-8345-8DC71727ADFA}" type="slidenum">
+            <a:fld id="{4789C00F-DA32-47CB-9AA9-E3AE1137DC6C}" type="slidenum">
               <a:t>&lt;#&gt;</a:t>
             </a:fld>
           </a:p>
@@ -2234,7 +2234,7 @@
         <p:txBody>
           <a:bodyPr/>
           <a:p>
-            <a:fld id="{D5C6FACC-A441-43F3-9E42-BD21EEF8CD4E}" type="slidenum">
+            <a:fld id="{E9B26C3B-7A93-441A-8D12-DFB3FA5BCD9E}" type="slidenum">
               <a:t>&lt;#&gt;</a:t>
             </a:fld>
           </a:p>
@@ -2486,7 +2486,7 @@
         <p:txBody>
           <a:bodyPr/>
           <a:p>
-            <a:fld id="{202A5548-95E8-4C30-9BBE-BC5B2709DF13}" type="slidenum">
+            <a:fld id="{D17FA9E1-C2D9-4E5E-A44D-C72B84D2CBD1}" type="slidenum">
               <a:t>&lt;#&gt;</a:t>
             </a:fld>
           </a:p>
@@ -2738,7 +2738,7 @@
         <p:txBody>
           <a:bodyPr/>
           <a:p>
-            <a:fld id="{626DB438-2297-403A-9CCD-2D1ED010DA62}" type="slidenum">
+            <a:fld id="{87C9A30C-82BB-4B70-AE04-23727B55238C}" type="slidenum">
               <a:t>&lt;#&gt;</a:t>
             </a:fld>
           </a:p>
@@ -2947,7 +2947,7 @@
         <p:txBody>
           <a:bodyPr/>
           <a:p>
-            <a:fld id="{6ADA43A8-D933-4F30-884E-1FAC71763868}" type="slidenum">
+            <a:fld id="{74C689CF-0D6E-42CE-8A78-D6F91086507D}" type="slidenum">
               <a:t>&lt;#&gt;</a:t>
             </a:fld>
           </a:p>
@@ -3242,7 +3242,7 @@
         <p:txBody>
           <a:bodyPr/>
           <a:p>
-            <a:fld id="{4D523120-0D97-408C-A1A7-00C8B01BB602}" type="slidenum">
+            <a:fld id="{ACEADAD5-3375-4720-BCE7-C16B600FF96B}" type="slidenum">
               <a:t>&lt;#&gt;</a:t>
             </a:fld>
           </a:p>
@@ -3623,7 +3623,7 @@
         <p:txBody>
           <a:bodyPr/>
           <a:p>
-            <a:fld id="{433958F3-5CC4-45BD-B745-68E75C82C329}" type="slidenum">
+            <a:fld id="{EE6A9F49-3FD4-47C2-9645-3DAEE76788F7}" type="slidenum">
               <a:t>&lt;#&gt;</a:t>
             </a:fld>
           </a:p>
@@ -3789,7 +3789,7 @@
         <p:txBody>
           <a:bodyPr/>
           <a:p>
-            <a:fld id="{91C27AE3-E985-435E-861D-B3174FEE72E9}" type="slidenum">
+            <a:fld id="{47941876-1C12-4430-A1B5-FD847B2A3404}" type="slidenum">
               <a:t>&lt;#&gt;</a:t>
             </a:fld>
           </a:p>
@@ -3998,7 +3998,7 @@
         <p:txBody>
           <a:bodyPr/>
           <a:p>
-            <a:fld id="{22C3EFD9-EF9A-48EA-9A15-8E063C13F3FE}" type="slidenum">
+            <a:fld id="{5034A942-54C6-4302-829C-B6858E36E726}" type="slidenum">
               <a:t>&lt;#&gt;</a:t>
             </a:fld>
           </a:p>
@@ -4121,7 +4121,7 @@
         <p:txBody>
           <a:bodyPr/>
           <a:p>
-            <a:fld id="{1036AD08-9889-48BB-84F7-2B573C58D3A8}" type="slidenum">
+            <a:fld id="{0EEBA8D0-2985-491C-98C6-E235E53ADE8D}" type="slidenum">
               <a:t>&lt;#&gt;</a:t>
             </a:fld>
           </a:p>
@@ -4242,7 +4242,7 @@
         <p:txBody>
           <a:bodyPr/>
           <a:p>
-            <a:fld id="{6BE30EE8-2EB0-4A4D-AD0F-EC1FBA63C995}" type="slidenum">
+            <a:fld id="{C455EF55-D703-416C-95A3-CDA669A0C9A2}" type="slidenum">
               <a:t>&lt;#&gt;</a:t>
             </a:fld>
           </a:p>
@@ -4494,7 +4494,7 @@
         <p:txBody>
           <a:bodyPr/>
           <a:p>
-            <a:fld id="{ACF7E2A2-B7A0-4DB3-A2DE-2C5885E425D5}" type="slidenum">
+            <a:fld id="{D3D799EB-AEC6-49A0-931F-7331773EC5DA}" type="slidenum">
               <a:t>&lt;#&gt;</a:t>
             </a:fld>
           </a:p>
@@ -4746,7 +4746,7 @@
         <p:txBody>
           <a:bodyPr/>
           <a:p>
-            <a:fld id="{75C7B7C6-F479-4B20-838D-E03DFE9E6BC9}" type="slidenum">
+            <a:fld id="{130014A2-866C-41B7-B568-4EC45BBA3DC4}" type="slidenum">
               <a:t>&lt;#&gt;</a:t>
             </a:fld>
           </a:p>
@@ -4998,7 +4998,7 @@
         <p:txBody>
           <a:bodyPr/>
           <a:p>
-            <a:fld id="{ED60FE43-8701-404A-A8D2-9EE553F21CBB}" type="slidenum">
+            <a:fld id="{CF9D6E7B-97A9-4616-8C93-A04A7659228F}" type="slidenum">
               <a:t>&lt;#&gt;</a:t>
             </a:fld>
           </a:p>
@@ -5067,7 +5067,7 @@
         <p:spPr>
           <a:xfrm>
             <a:off x="4145400" y="6378120"/>
-            <a:ext cx="3900600" cy="342360"/>
+            <a:ext cx="3900240" cy="342000"/>
           </a:xfrm>
           <a:prstGeom prst="rect">
             <a:avLst/>
@@ -5139,7 +5139,7 @@
         <p:spPr>
           <a:xfrm>
             <a:off x="8778240" y="6378120"/>
-            <a:ext cx="2803320" cy="342360"/>
+            <a:ext cx="2802960" cy="342000"/>
           </a:xfrm>
           <a:prstGeom prst="rect">
             <a:avLst/>
@@ -5180,7 +5180,7 @@
                 <a:tab algn="l" pos="0"/>
               </a:tabLst>
             </a:pPr>
-            <a:fld id="{F454DD9A-1068-4A00-819F-EA108EAE934E}" type="slidenum">
+            <a:fld id="{B95AACD8-998F-43D7-A5C5-D548181ABBCA}" type="slidenum">
               <a:rPr b="0" lang="ru-RU" sz="1800" spc="-1" strike="noStrike">
                 <a:solidFill>
                   <a:srgbClr val="b2b2b2"/>
@@ -5211,7 +5211,7 @@
         <p:spPr>
           <a:xfrm>
             <a:off x="609480" y="6378120"/>
-            <a:ext cx="2803320" cy="342360"/>
+            <a:ext cx="2802960" cy="342000"/>
           </a:xfrm>
           <a:prstGeom prst="rect">
             <a:avLst/>
@@ -5589,7 +5589,7 @@
         <p:spPr>
           <a:xfrm>
             <a:off x="4145400" y="6378120"/>
-            <a:ext cx="3900600" cy="342360"/>
+            <a:ext cx="3900240" cy="342000"/>
           </a:xfrm>
           <a:prstGeom prst="rect">
             <a:avLst/>
@@ -5661,7 +5661,7 @@
         <p:spPr>
           <a:xfrm>
             <a:off x="8778240" y="6378120"/>
-            <a:ext cx="2803320" cy="342360"/>
+            <a:ext cx="2802960" cy="342000"/>
           </a:xfrm>
           <a:prstGeom prst="rect">
             <a:avLst/>
@@ -5702,7 +5702,7 @@
                 <a:tab algn="l" pos="0"/>
               </a:tabLst>
             </a:pPr>
-            <a:fld id="{A6530EEF-0CA9-47C7-B733-80226FECB87F}" type="slidenum">
+            <a:fld id="{097C6268-29D1-4E0F-8CB2-37545CB53391}" type="slidenum">
               <a:rPr b="0" lang="ru-RU" sz="1800" spc="-1" strike="noStrike">
                 <a:solidFill>
                   <a:srgbClr val="b2b2b2"/>
@@ -5733,7 +5733,7 @@
         <p:spPr>
           <a:xfrm>
             <a:off x="609480" y="6378120"/>
-            <a:ext cx="2803320" cy="342360"/>
+            <a:ext cx="2802960" cy="342000"/>
           </a:xfrm>
           <a:prstGeom prst="rect">
             <a:avLst/>
@@ -6104,7 +6104,7 @@
         <p:spPr>
           <a:xfrm>
             <a:off x="691560" y="2779560"/>
-            <a:ext cx="7159680" cy="1157400"/>
+            <a:ext cx="7159320" cy="1157040"/>
           </a:xfrm>
           <a:prstGeom prst="rect">
             <a:avLst/>
@@ -6149,64 +6149,16 @@
           </a:p>
         </p:txBody>
       </p:sp>
-      <p:pic>
-        <p:nvPicPr>
-          <p:cNvPr id="83" name="Рисунок 7" descr=""/>
-          <p:cNvPicPr/>
-          <p:nvPr/>
-        </p:nvPicPr>
-        <p:blipFill>
-          <a:blip r:embed="rId1"/>
-          <a:srcRect l="24790" t="0" r="24790" b="0"/>
-          <a:stretch/>
-        </p:blipFill>
-        <p:spPr>
-          <a:xfrm>
-            <a:off x="9296280" y="422640"/>
-            <a:ext cx="455040" cy="502200"/>
-          </a:xfrm>
-          <a:prstGeom prst="rect">
-            <a:avLst/>
-          </a:prstGeom>
-          <a:ln w="0">
-            <a:noFill/>
-          </a:ln>
-        </p:spPr>
-      </p:pic>
-      <p:pic>
-        <p:nvPicPr>
-          <p:cNvPr id="84" name="Рисунок 9" descr=""/>
-          <p:cNvPicPr/>
-          <p:nvPr/>
-        </p:nvPicPr>
-        <p:blipFill>
-          <a:blip r:embed="rId2"/>
-          <a:srcRect l="34477" t="35433" r="0" b="34035"/>
-          <a:stretch/>
-        </p:blipFill>
-        <p:spPr>
-          <a:xfrm>
-            <a:off x="9848880" y="498600"/>
-            <a:ext cx="2006280" cy="349920"/>
-          </a:xfrm>
-          <a:prstGeom prst="rect">
-            <a:avLst/>
-          </a:prstGeom>
-          <a:ln w="0">
-            <a:noFill/>
-          </a:ln>
-        </p:spPr>
-      </p:pic>
-      <p:sp>
-        <p:nvSpPr>
-          <p:cNvPr id="85" name="TextBox 10"/>
+      <p:sp>
+        <p:nvSpPr>
+          <p:cNvPr id="83" name="TextBox 10"/>
           <p:cNvSpPr/>
           <p:nvPr/>
         </p:nvSpPr>
         <p:spPr>
           <a:xfrm>
             <a:off x="410760" y="5334120"/>
-            <a:ext cx="3149640" cy="637920"/>
+            <a:ext cx="3149280" cy="637560"/>
           </a:xfrm>
           <a:prstGeom prst="rect">
             <a:avLst/>
@@ -6274,7 +6226,7 @@
       </p:grpSpPr>
       <p:pic>
         <p:nvPicPr>
-          <p:cNvPr id="86" name="object 4" descr=""/>
+          <p:cNvPr id="84" name="object 4" descr=""/>
           <p:cNvPicPr/>
           <p:nvPr/>
         </p:nvPicPr>
@@ -6285,7 +6237,7 @@
         <p:spPr>
           <a:xfrm>
             <a:off x="9710640" y="6028560"/>
-            <a:ext cx="1909800" cy="344520"/>
+            <a:ext cx="1909440" cy="344160"/>
           </a:xfrm>
           <a:prstGeom prst="rect">
             <a:avLst/>
@@ -6297,22 +6249,22 @@
       </p:pic>
       <p:sp>
         <p:nvSpPr>
-          <p:cNvPr id="87" name="object 5"/>
+          <p:cNvPr id="85" name="object 5"/>
           <p:cNvSpPr/>
           <p:nvPr/>
         </p:nvSpPr>
         <p:spPr>
           <a:xfrm>
             <a:off x="443520" y="390240"/>
-            <a:ext cx="827280" cy="828720"/>
+            <a:ext cx="826920" cy="828360"/>
           </a:xfrm>
           <a:custGeom>
             <a:avLst/>
             <a:gdLst>
-              <a:gd name="textAreaLeft" fmla="*/ 0 w 827280"/>
-              <a:gd name="textAreaRight" fmla="*/ 828000 w 827280"/>
-              <a:gd name="textAreaTop" fmla="*/ 0 h 828720"/>
-              <a:gd name="textAreaBottom" fmla="*/ 829440 h 828720"/>
+              <a:gd name="textAreaLeft" fmla="*/ 0 w 826920"/>
+              <a:gd name="textAreaRight" fmla="*/ 828000 w 826920"/>
+              <a:gd name="textAreaTop" fmla="*/ 0 h 828360"/>
+              <a:gd name="textAreaBottom" fmla="*/ 829440 h 828360"/>
             </a:gdLst>
             <a:ahLst/>
             <a:rect l="textAreaLeft" t="textAreaTop" r="textAreaRight" b="textAreaBottom"/>
@@ -6528,22 +6480,22 @@
       </p:sp>
       <p:sp>
         <p:nvSpPr>
-          <p:cNvPr id="88" name="object 6"/>
+          <p:cNvPr id="86" name="object 6"/>
           <p:cNvSpPr/>
           <p:nvPr/>
         </p:nvSpPr>
         <p:spPr>
           <a:xfrm>
             <a:off x="2229480" y="390240"/>
-            <a:ext cx="828720" cy="828720"/>
+            <a:ext cx="828360" cy="828360"/>
           </a:xfrm>
           <a:custGeom>
             <a:avLst/>
             <a:gdLst>
-              <a:gd name="textAreaLeft" fmla="*/ 0 w 828720"/>
-              <a:gd name="textAreaRight" fmla="*/ 829440 w 828720"/>
-              <a:gd name="textAreaTop" fmla="*/ 0 h 828720"/>
-              <a:gd name="textAreaBottom" fmla="*/ 829440 h 828720"/>
+              <a:gd name="textAreaLeft" fmla="*/ 0 w 828360"/>
+              <a:gd name="textAreaRight" fmla="*/ 829440 w 828360"/>
+              <a:gd name="textAreaTop" fmla="*/ 0 h 828360"/>
+              <a:gd name="textAreaBottom" fmla="*/ 829440 h 828360"/>
             </a:gdLst>
             <a:ahLst/>
             <a:rect l="textAreaLeft" t="textAreaTop" r="textAreaRight" b="textAreaBottom"/>
@@ -6759,22 +6711,22 @@
       </p:sp>
       <p:sp>
         <p:nvSpPr>
-          <p:cNvPr id="89" name="object 7"/>
+          <p:cNvPr id="87" name="object 7"/>
           <p:cNvSpPr/>
           <p:nvPr/>
         </p:nvSpPr>
         <p:spPr>
           <a:xfrm>
             <a:off x="1336680" y="390240"/>
-            <a:ext cx="827280" cy="828720"/>
+            <a:ext cx="826920" cy="828360"/>
           </a:xfrm>
           <a:custGeom>
             <a:avLst/>
             <a:gdLst>
-              <a:gd name="textAreaLeft" fmla="*/ 0 w 827280"/>
-              <a:gd name="textAreaRight" fmla="*/ 828000 w 827280"/>
-              <a:gd name="textAreaTop" fmla="*/ 0 h 828720"/>
-              <a:gd name="textAreaBottom" fmla="*/ 829440 h 828720"/>
+              <a:gd name="textAreaLeft" fmla="*/ 0 w 826920"/>
+              <a:gd name="textAreaRight" fmla="*/ 828000 w 826920"/>
+              <a:gd name="textAreaTop" fmla="*/ 0 h 828360"/>
+              <a:gd name="textAreaBottom" fmla="*/ 829440 h 828360"/>
             </a:gdLst>
             <a:ahLst/>
             <a:rect l="textAreaLeft" t="textAreaTop" r="textAreaRight" b="textAreaBottom"/>
@@ -6990,14 +6942,14 @@
       </p:sp>
       <p:sp>
         <p:nvSpPr>
-          <p:cNvPr id="90" name="Заголовок 1"/>
+          <p:cNvPr id="88" name="Заголовок 1"/>
           <p:cNvSpPr/>
           <p:nvPr/>
         </p:nvSpPr>
         <p:spPr>
           <a:xfrm>
             <a:off x="3250440" y="527760"/>
-            <a:ext cx="5922360" cy="548640"/>
+            <a:ext cx="5922000" cy="548280"/>
           </a:xfrm>
           <a:prstGeom prst="rect">
             <a:avLst/>
@@ -7044,14 +6996,14 @@
       </p:sp>
       <p:sp>
         <p:nvSpPr>
-          <p:cNvPr id="91" name="TextBox 8"/>
+          <p:cNvPr id="89" name="TextBox 8"/>
           <p:cNvSpPr/>
           <p:nvPr/>
         </p:nvSpPr>
         <p:spPr>
           <a:xfrm>
             <a:off x="1143000" y="1781280"/>
-            <a:ext cx="7241040" cy="2833560"/>
+            <a:ext cx="7240680" cy="2832840"/>
           </a:xfrm>
           <a:prstGeom prst="rect">
             <a:avLst/>
@@ -7072,6 +7024,11 @@
             <a:spAutoFit/>
           </a:bodyPr>
           <a:p>
+            <a:pPr>
+              <a:lnSpc>
+                <a:spcPct val="100000"/>
+              </a:lnSpc>
+            </a:pPr>
             <a:r>
               <a:rPr b="0" lang="ru-RU" sz="1800" spc="-1" strike="noStrike">
                 <a:solidFill>
@@ -7086,10 +7043,15 @@
               <a:solidFill>
                 <a:srgbClr val="000000"/>
               </a:solidFill>
-              <a:latin typeface="Colibri"/>
-            </a:endParaRPr>
-          </a:p>
-          <a:p>
+              <a:latin typeface="Arial"/>
+            </a:endParaRPr>
+          </a:p>
+          <a:p>
+            <a:pPr>
+              <a:lnSpc>
+                <a:spcPct val="100000"/>
+              </a:lnSpc>
+            </a:pPr>
             <a:r>
               <a:rPr b="0" lang="ru-RU" sz="1800" spc="-1" strike="noStrike">
                 <a:solidFill>
@@ -7104,10 +7066,15 @@
               <a:solidFill>
                 <a:srgbClr val="000000"/>
               </a:solidFill>
-              <a:latin typeface="Colibri"/>
-            </a:endParaRPr>
-          </a:p>
-          <a:p>
+              <a:latin typeface="Arial"/>
+            </a:endParaRPr>
+          </a:p>
+          <a:p>
+            <a:pPr>
+              <a:lnSpc>
+                <a:spcPct val="100000"/>
+              </a:lnSpc>
+            </a:pPr>
             <a:r>
               <a:rPr b="0" lang="ru-RU" sz="1800" spc="-1" strike="noStrike">
                 <a:solidFill>
@@ -7122,10 +7089,15 @@
               <a:solidFill>
                 <a:srgbClr val="000000"/>
               </a:solidFill>
-              <a:latin typeface="Colibri"/>
-            </a:endParaRPr>
-          </a:p>
-          <a:p>
+              <a:latin typeface="Arial"/>
+            </a:endParaRPr>
+          </a:p>
+          <a:p>
+            <a:pPr>
+              <a:lnSpc>
+                <a:spcPct val="100000"/>
+              </a:lnSpc>
+            </a:pPr>
             <a:r>
               <a:rPr b="0" lang="ru-RU" sz="1800" spc="-1" strike="noStrike">
                 <a:solidFill>
@@ -7140,10 +7112,15 @@
               <a:solidFill>
                 <a:srgbClr val="000000"/>
               </a:solidFill>
-              <a:latin typeface="Colibri"/>
-            </a:endParaRPr>
-          </a:p>
-          <a:p>
+              <a:latin typeface="Arial"/>
+            </a:endParaRPr>
+          </a:p>
+          <a:p>
+            <a:pPr>
+              <a:lnSpc>
+                <a:spcPct val="100000"/>
+              </a:lnSpc>
+            </a:pPr>
             <a:r>
               <a:rPr b="0" lang="ru-RU" sz="1800" spc="-1" strike="noStrike">
                 <a:solidFill>
@@ -7158,10 +7135,15 @@
               <a:solidFill>
                 <a:srgbClr val="000000"/>
               </a:solidFill>
-              <a:latin typeface="Colibri"/>
-            </a:endParaRPr>
-          </a:p>
-          <a:p>
+              <a:latin typeface="Arial"/>
+            </a:endParaRPr>
+          </a:p>
+          <a:p>
+            <a:pPr>
+              <a:lnSpc>
+                <a:spcPct val="100000"/>
+              </a:lnSpc>
+            </a:pPr>
             <a:r>
               <a:rPr b="0" lang="ru-RU" sz="1800" spc="-1" strike="noStrike">
                 <a:solidFill>
@@ -7176,10 +7158,15 @@
               <a:solidFill>
                 <a:srgbClr val="000000"/>
               </a:solidFill>
-              <a:latin typeface="Colibri"/>
-            </a:endParaRPr>
-          </a:p>
-          <a:p>
+              <a:latin typeface="Arial"/>
+            </a:endParaRPr>
+          </a:p>
+          <a:p>
+            <a:pPr>
+              <a:lnSpc>
+                <a:spcPct val="100000"/>
+              </a:lnSpc>
+            </a:pPr>
             <a:r>
               <a:rPr b="0" lang="ru-RU" sz="1800" spc="-1" strike="noStrike">
                 <a:solidFill>
@@ -7194,10 +7181,15 @@
               <a:solidFill>
                 <a:srgbClr val="000000"/>
               </a:solidFill>
-              <a:latin typeface="Colibri"/>
-            </a:endParaRPr>
-          </a:p>
-          <a:p>
+              <a:latin typeface="Arial"/>
+            </a:endParaRPr>
+          </a:p>
+          <a:p>
+            <a:pPr>
+              <a:lnSpc>
+                <a:spcPct val="100000"/>
+              </a:lnSpc>
+            </a:pPr>
             <a:r>
               <a:rPr b="0" lang="ru-RU" sz="1800" spc="-1" strike="noStrike">
                 <a:solidFill>
@@ -7212,10 +7204,15 @@
               <a:solidFill>
                 <a:srgbClr val="000000"/>
               </a:solidFill>
-              <a:latin typeface="Colibri"/>
-            </a:endParaRPr>
-          </a:p>
-          <a:p>
+              <a:latin typeface="Arial"/>
+            </a:endParaRPr>
+          </a:p>
+          <a:p>
+            <a:pPr>
+              <a:lnSpc>
+                <a:spcPct val="100000"/>
+              </a:lnSpc>
+            </a:pPr>
             <a:r>
               <a:rPr b="0" lang="ru-RU" sz="1800" spc="-1" strike="noStrike">
                 <a:solidFill>
@@ -7230,7 +7227,7 @@
               <a:solidFill>
                 <a:srgbClr val="000000"/>
               </a:solidFill>
-              <a:latin typeface="Colibri"/>
+              <a:latin typeface="Arial"/>
             </a:endParaRPr>
           </a:p>
           <a:p>
@@ -7248,54 +7245,6 @@
           </a:p>
         </p:txBody>
       </p:sp>
-      <p:pic>
-        <p:nvPicPr>
-          <p:cNvPr id="92" name="Рисунок 9" descr=""/>
-          <p:cNvPicPr/>
-          <p:nvPr/>
-        </p:nvPicPr>
-        <p:blipFill>
-          <a:blip r:embed="rId2"/>
-          <a:srcRect l="24790" t="0" r="24790" b="0"/>
-          <a:stretch/>
-        </p:blipFill>
-        <p:spPr>
-          <a:xfrm>
-            <a:off x="9189000" y="594720"/>
-            <a:ext cx="455040" cy="502200"/>
-          </a:xfrm>
-          <a:prstGeom prst="rect">
-            <a:avLst/>
-          </a:prstGeom>
-          <a:ln w="0">
-            <a:noFill/>
-          </a:ln>
-        </p:spPr>
-      </p:pic>
-      <p:pic>
-        <p:nvPicPr>
-          <p:cNvPr id="93" name="Рисунок 10" descr=""/>
-          <p:cNvPicPr/>
-          <p:nvPr/>
-        </p:nvPicPr>
-        <p:blipFill>
-          <a:blip r:embed="rId3"/>
-          <a:srcRect l="34477" t="35433" r="0" b="34035"/>
-          <a:stretch/>
-        </p:blipFill>
-        <p:spPr>
-          <a:xfrm>
-            <a:off x="9741600" y="671040"/>
-            <a:ext cx="2006280" cy="349920"/>
-          </a:xfrm>
-          <a:prstGeom prst="rect">
-            <a:avLst/>
-          </a:prstGeom>
-          <a:ln w="0">
-            <a:noFill/>
-          </a:ln>
-        </p:spPr>
-      </p:pic>
     </p:spTree>
   </p:cSld>
   <mc:AlternateContent>
@@ -7328,7 +7277,7 @@
       </p:grpSpPr>
       <p:pic>
         <p:nvPicPr>
-          <p:cNvPr id="94" name="object 4" descr=""/>
+          <p:cNvPr id="90" name="object 4" descr=""/>
           <p:cNvPicPr/>
           <p:nvPr/>
         </p:nvPicPr>
@@ -7339,7 +7288,7 @@
         <p:spPr>
           <a:xfrm>
             <a:off x="9710640" y="6028560"/>
-            <a:ext cx="1909800" cy="344520"/>
+            <a:ext cx="1909440" cy="344160"/>
           </a:xfrm>
           <a:prstGeom prst="rect">
             <a:avLst/>
@@ -7351,22 +7300,22 @@
       </p:pic>
       <p:sp>
         <p:nvSpPr>
-          <p:cNvPr id="95" name="object 5"/>
+          <p:cNvPr id="91" name="object 5"/>
           <p:cNvSpPr/>
           <p:nvPr/>
         </p:nvSpPr>
         <p:spPr>
           <a:xfrm>
             <a:off x="443520" y="390240"/>
-            <a:ext cx="827280" cy="828720"/>
+            <a:ext cx="826920" cy="828360"/>
           </a:xfrm>
           <a:custGeom>
             <a:avLst/>
             <a:gdLst>
-              <a:gd name="textAreaLeft" fmla="*/ 0 w 827280"/>
-              <a:gd name="textAreaRight" fmla="*/ 828000 w 827280"/>
-              <a:gd name="textAreaTop" fmla="*/ 0 h 828720"/>
-              <a:gd name="textAreaBottom" fmla="*/ 829440 h 828720"/>
+              <a:gd name="textAreaLeft" fmla="*/ 0 w 826920"/>
+              <a:gd name="textAreaRight" fmla="*/ 828000 w 826920"/>
+              <a:gd name="textAreaTop" fmla="*/ 0 h 828360"/>
+              <a:gd name="textAreaBottom" fmla="*/ 829440 h 828360"/>
             </a:gdLst>
             <a:ahLst/>
             <a:rect l="textAreaLeft" t="textAreaTop" r="textAreaRight" b="textAreaBottom"/>
@@ -7582,22 +7531,22 @@
       </p:sp>
       <p:sp>
         <p:nvSpPr>
-          <p:cNvPr id="96" name="object 6"/>
+          <p:cNvPr id="92" name="object 6"/>
           <p:cNvSpPr/>
           <p:nvPr/>
         </p:nvSpPr>
         <p:spPr>
           <a:xfrm>
             <a:off x="2229480" y="390240"/>
-            <a:ext cx="828720" cy="828720"/>
+            <a:ext cx="828360" cy="828360"/>
           </a:xfrm>
           <a:custGeom>
             <a:avLst/>
             <a:gdLst>
-              <a:gd name="textAreaLeft" fmla="*/ 0 w 828720"/>
-              <a:gd name="textAreaRight" fmla="*/ 829440 w 828720"/>
-              <a:gd name="textAreaTop" fmla="*/ 0 h 828720"/>
-              <a:gd name="textAreaBottom" fmla="*/ 829440 h 828720"/>
+              <a:gd name="textAreaLeft" fmla="*/ 0 w 828360"/>
+              <a:gd name="textAreaRight" fmla="*/ 829440 w 828360"/>
+              <a:gd name="textAreaTop" fmla="*/ 0 h 828360"/>
+              <a:gd name="textAreaBottom" fmla="*/ 829440 h 828360"/>
             </a:gdLst>
             <a:ahLst/>
             <a:rect l="textAreaLeft" t="textAreaTop" r="textAreaRight" b="textAreaBottom"/>
@@ -7813,22 +7762,22 @@
       </p:sp>
       <p:sp>
         <p:nvSpPr>
-          <p:cNvPr id="97" name="object 7"/>
+          <p:cNvPr id="93" name="object 7"/>
           <p:cNvSpPr/>
           <p:nvPr/>
         </p:nvSpPr>
         <p:spPr>
           <a:xfrm>
             <a:off x="1336680" y="390240"/>
-            <a:ext cx="827280" cy="828720"/>
+            <a:ext cx="826920" cy="828360"/>
           </a:xfrm>
           <a:custGeom>
             <a:avLst/>
             <a:gdLst>
-              <a:gd name="textAreaLeft" fmla="*/ 0 w 827280"/>
-              <a:gd name="textAreaRight" fmla="*/ 828000 w 827280"/>
-              <a:gd name="textAreaTop" fmla="*/ 0 h 828720"/>
-              <a:gd name="textAreaBottom" fmla="*/ 829440 h 828720"/>
+              <a:gd name="textAreaLeft" fmla="*/ 0 w 826920"/>
+              <a:gd name="textAreaRight" fmla="*/ 828000 w 826920"/>
+              <a:gd name="textAreaTop" fmla="*/ 0 h 828360"/>
+              <a:gd name="textAreaBottom" fmla="*/ 829440 h 828360"/>
             </a:gdLst>
             <a:ahLst/>
             <a:rect l="textAreaLeft" t="textAreaTop" r="textAreaRight" b="textAreaBottom"/>
@@ -8044,14 +7993,14 @@
       </p:sp>
       <p:sp>
         <p:nvSpPr>
-          <p:cNvPr id="98" name="Заголовок 1"/>
+          <p:cNvPr id="94" name="Заголовок 1"/>
           <p:cNvSpPr/>
           <p:nvPr/>
         </p:nvSpPr>
         <p:spPr>
           <a:xfrm>
             <a:off x="3250440" y="527760"/>
-            <a:ext cx="5922360" cy="548640"/>
+            <a:ext cx="5922000" cy="548280"/>
           </a:xfrm>
           <a:prstGeom prst="rect">
             <a:avLst/>
@@ -8098,14 +8047,14 @@
       </p:sp>
       <p:sp>
         <p:nvSpPr>
-          <p:cNvPr id="99" name="TextBox 8"/>
+          <p:cNvPr id="95" name="TextBox 8"/>
           <p:cNvSpPr/>
           <p:nvPr/>
         </p:nvSpPr>
         <p:spPr>
           <a:xfrm>
             <a:off x="1143000" y="1828800"/>
-            <a:ext cx="7622280" cy="2833560"/>
+            <a:ext cx="7621920" cy="2832840"/>
           </a:xfrm>
           <a:prstGeom prst="rect">
             <a:avLst/>
@@ -8126,6 +8075,11 @@
             <a:spAutoFit/>
           </a:bodyPr>
           <a:p>
+            <a:pPr>
+              <a:lnSpc>
+                <a:spcPct val="100000"/>
+              </a:lnSpc>
+            </a:pPr>
             <a:r>
               <a:rPr b="0" lang="ru-RU" sz="1800" spc="-1" strike="noStrike">
                 <a:solidFill>
@@ -8140,10 +8094,15 @@
               <a:solidFill>
                 <a:srgbClr val="000000"/>
               </a:solidFill>
-              <a:latin typeface="Colibri"/>
-            </a:endParaRPr>
-          </a:p>
-          <a:p>
+              <a:latin typeface="Arial"/>
+            </a:endParaRPr>
+          </a:p>
+          <a:p>
+            <a:pPr>
+              <a:lnSpc>
+                <a:spcPct val="100000"/>
+              </a:lnSpc>
+            </a:pPr>
             <a:r>
               <a:rPr b="0" lang="ru-RU" sz="1800" spc="-1" strike="noStrike">
                 <a:solidFill>
@@ -8158,10 +8117,15 @@
               <a:solidFill>
                 <a:srgbClr val="000000"/>
               </a:solidFill>
-              <a:latin typeface="Colibri"/>
-            </a:endParaRPr>
-          </a:p>
-          <a:p>
+              <a:latin typeface="Arial"/>
+            </a:endParaRPr>
+          </a:p>
+          <a:p>
+            <a:pPr>
+              <a:lnSpc>
+                <a:spcPct val="100000"/>
+              </a:lnSpc>
+            </a:pPr>
             <a:r>
               <a:rPr b="0" lang="ru-RU" sz="1800" spc="-1" strike="noStrike">
                 <a:solidFill>
@@ -8176,10 +8140,15 @@
               <a:solidFill>
                 <a:srgbClr val="000000"/>
               </a:solidFill>
-              <a:latin typeface="Colibri"/>
-            </a:endParaRPr>
-          </a:p>
-          <a:p>
+              <a:latin typeface="Arial"/>
+            </a:endParaRPr>
+          </a:p>
+          <a:p>
+            <a:pPr>
+              <a:lnSpc>
+                <a:spcPct val="100000"/>
+              </a:lnSpc>
+            </a:pPr>
             <a:r>
               <a:rPr b="0" lang="ru-RU" sz="1800" spc="-1" strike="noStrike">
                 <a:solidFill>
@@ -8194,10 +8163,15 @@
               <a:solidFill>
                 <a:srgbClr val="000000"/>
               </a:solidFill>
-              <a:latin typeface="Colibri"/>
-            </a:endParaRPr>
-          </a:p>
-          <a:p>
+              <a:latin typeface="Arial"/>
+            </a:endParaRPr>
+          </a:p>
+          <a:p>
+            <a:pPr>
+              <a:lnSpc>
+                <a:spcPct val="100000"/>
+              </a:lnSpc>
+            </a:pPr>
             <a:r>
               <a:rPr b="0" lang="ru-RU" sz="1800" spc="-1" strike="noStrike">
                 <a:solidFill>
@@ -8212,10 +8186,15 @@
               <a:solidFill>
                 <a:srgbClr val="000000"/>
               </a:solidFill>
-              <a:latin typeface="Colibri"/>
-            </a:endParaRPr>
-          </a:p>
-          <a:p>
+              <a:latin typeface="Arial"/>
+            </a:endParaRPr>
+          </a:p>
+          <a:p>
+            <a:pPr>
+              <a:lnSpc>
+                <a:spcPct val="100000"/>
+              </a:lnSpc>
+            </a:pPr>
             <a:r>
               <a:rPr b="0" lang="ru-RU" sz="1800" spc="-1" strike="noStrike">
                 <a:solidFill>
@@ -8230,10 +8209,15 @@
               <a:solidFill>
                 <a:srgbClr val="000000"/>
               </a:solidFill>
-              <a:latin typeface="Colibri"/>
-            </a:endParaRPr>
-          </a:p>
-          <a:p>
+              <a:latin typeface="Arial"/>
+            </a:endParaRPr>
+          </a:p>
+          <a:p>
+            <a:pPr>
+              <a:lnSpc>
+                <a:spcPct val="100000"/>
+              </a:lnSpc>
+            </a:pPr>
             <a:r>
               <a:rPr b="0" lang="ru-RU" sz="1800" spc="-1" strike="noStrike">
                 <a:solidFill>
@@ -8248,10 +8232,15 @@
               <a:solidFill>
                 <a:srgbClr val="000000"/>
               </a:solidFill>
-              <a:latin typeface="Colibri"/>
-            </a:endParaRPr>
-          </a:p>
-          <a:p>
+              <a:latin typeface="Arial"/>
+            </a:endParaRPr>
+          </a:p>
+          <a:p>
+            <a:pPr>
+              <a:lnSpc>
+                <a:spcPct val="100000"/>
+              </a:lnSpc>
+            </a:pPr>
             <a:r>
               <a:rPr b="0" lang="ru-RU" sz="1800" spc="-1" strike="noStrike">
                 <a:solidFill>
@@ -8266,10 +8255,15 @@
               <a:solidFill>
                 <a:srgbClr val="000000"/>
               </a:solidFill>
-              <a:latin typeface="Colibri"/>
-            </a:endParaRPr>
-          </a:p>
-          <a:p>
+              <a:latin typeface="Arial"/>
+            </a:endParaRPr>
+          </a:p>
+          <a:p>
+            <a:pPr>
+              <a:lnSpc>
+                <a:spcPct val="100000"/>
+              </a:lnSpc>
+            </a:pPr>
             <a:r>
               <a:rPr b="0" lang="ru-RU" sz="1800" spc="-1" strike="noStrike">
                 <a:solidFill>
@@ -8284,10 +8278,15 @@
               <a:solidFill>
                 <a:srgbClr val="000000"/>
               </a:solidFill>
-              <a:latin typeface="Colibri"/>
-            </a:endParaRPr>
-          </a:p>
-          <a:p>
+              <a:latin typeface="Arial"/>
+            </a:endParaRPr>
+          </a:p>
+          <a:p>
+            <a:pPr>
+              <a:lnSpc>
+                <a:spcPct val="100000"/>
+              </a:lnSpc>
+            </a:pPr>
             <a:r>
               <a:rPr b="0" lang="ru-RU" sz="1800" spc="-1" strike="noStrike">
                 <a:solidFill>
@@ -8302,59 +8301,11 @@
               <a:solidFill>
                 <a:srgbClr val="000000"/>
               </a:solidFill>
-              <a:latin typeface="Colibri"/>
-            </a:endParaRPr>
-          </a:p>
-        </p:txBody>
-      </p:sp>
-      <p:pic>
-        <p:nvPicPr>
-          <p:cNvPr id="100" name="Рисунок 9" descr=""/>
-          <p:cNvPicPr/>
-          <p:nvPr/>
-        </p:nvPicPr>
-        <p:blipFill>
-          <a:blip r:embed="rId2"/>
-          <a:srcRect l="24790" t="0" r="24790" b="0"/>
-          <a:stretch/>
-        </p:blipFill>
-        <p:spPr>
-          <a:xfrm>
-            <a:off x="9189000" y="594720"/>
-            <a:ext cx="455040" cy="502200"/>
-          </a:xfrm>
-          <a:prstGeom prst="rect">
-            <a:avLst/>
-          </a:prstGeom>
-          <a:ln w="0">
-            <a:noFill/>
-          </a:ln>
-        </p:spPr>
-      </p:pic>
-      <p:pic>
-        <p:nvPicPr>
-          <p:cNvPr id="101" name="Рисунок 10" descr=""/>
-          <p:cNvPicPr/>
-          <p:nvPr/>
-        </p:nvPicPr>
-        <p:blipFill>
-          <a:blip r:embed="rId3"/>
-          <a:srcRect l="34477" t="35433" r="0" b="34035"/>
-          <a:stretch/>
-        </p:blipFill>
-        <p:spPr>
-          <a:xfrm>
-            <a:off x="9741600" y="671040"/>
-            <a:ext cx="2006280" cy="349920"/>
-          </a:xfrm>
-          <a:prstGeom prst="rect">
-            <a:avLst/>
-          </a:prstGeom>
-          <a:ln w="0">
-            <a:noFill/>
-          </a:ln>
-        </p:spPr>
-      </p:pic>
+              <a:latin typeface="Arial"/>
+            </a:endParaRPr>
+          </a:p>
+        </p:txBody>
+      </p:sp>
     </p:spTree>
   </p:cSld>
   <mc:AlternateContent>
@@ -8387,7 +8338,7 @@
       </p:grpSpPr>
       <p:pic>
         <p:nvPicPr>
-          <p:cNvPr id="102" name="object 4" descr=""/>
+          <p:cNvPr id="96" name="object 4" descr=""/>
           <p:cNvPicPr/>
           <p:nvPr/>
         </p:nvPicPr>
@@ -8398,7 +8349,7 @@
         <p:spPr>
           <a:xfrm>
             <a:off x="9710640" y="6028560"/>
-            <a:ext cx="1909800" cy="344520"/>
+            <a:ext cx="1909440" cy="344160"/>
           </a:xfrm>
           <a:prstGeom prst="rect">
             <a:avLst/>
@@ -8410,22 +8361,22 @@
       </p:pic>
       <p:sp>
         <p:nvSpPr>
-          <p:cNvPr id="103" name="object 5"/>
+          <p:cNvPr id="97" name="object 5"/>
           <p:cNvSpPr/>
           <p:nvPr/>
         </p:nvSpPr>
         <p:spPr>
           <a:xfrm>
             <a:off x="443520" y="390240"/>
-            <a:ext cx="827280" cy="828720"/>
+            <a:ext cx="826920" cy="828360"/>
           </a:xfrm>
           <a:custGeom>
             <a:avLst/>
             <a:gdLst>
-              <a:gd name="textAreaLeft" fmla="*/ 0 w 827280"/>
-              <a:gd name="textAreaRight" fmla="*/ 828000 w 827280"/>
-              <a:gd name="textAreaTop" fmla="*/ 0 h 828720"/>
-              <a:gd name="textAreaBottom" fmla="*/ 829440 h 828720"/>
+              <a:gd name="textAreaLeft" fmla="*/ 0 w 826920"/>
+              <a:gd name="textAreaRight" fmla="*/ 828000 w 826920"/>
+              <a:gd name="textAreaTop" fmla="*/ 0 h 828360"/>
+              <a:gd name="textAreaBottom" fmla="*/ 829440 h 828360"/>
             </a:gdLst>
             <a:ahLst/>
             <a:rect l="textAreaLeft" t="textAreaTop" r="textAreaRight" b="textAreaBottom"/>
@@ -8641,22 +8592,22 @@
       </p:sp>
       <p:sp>
         <p:nvSpPr>
-          <p:cNvPr id="104" name="object 6"/>
+          <p:cNvPr id="98" name="object 6"/>
           <p:cNvSpPr/>
           <p:nvPr/>
         </p:nvSpPr>
         <p:spPr>
           <a:xfrm>
             <a:off x="2229480" y="390240"/>
-            <a:ext cx="828720" cy="828720"/>
+            <a:ext cx="828360" cy="828360"/>
           </a:xfrm>
           <a:custGeom>
             <a:avLst/>
             <a:gdLst>
-              <a:gd name="textAreaLeft" fmla="*/ 0 w 828720"/>
-              <a:gd name="textAreaRight" fmla="*/ 829440 w 828720"/>
-              <a:gd name="textAreaTop" fmla="*/ 0 h 828720"/>
-              <a:gd name="textAreaBottom" fmla="*/ 829440 h 828720"/>
+              <a:gd name="textAreaLeft" fmla="*/ 0 w 828360"/>
+              <a:gd name="textAreaRight" fmla="*/ 829440 w 828360"/>
+              <a:gd name="textAreaTop" fmla="*/ 0 h 828360"/>
+              <a:gd name="textAreaBottom" fmla="*/ 829440 h 828360"/>
             </a:gdLst>
             <a:ahLst/>
             <a:rect l="textAreaLeft" t="textAreaTop" r="textAreaRight" b="textAreaBottom"/>
@@ -8872,22 +8823,22 @@
       </p:sp>
       <p:sp>
         <p:nvSpPr>
-          <p:cNvPr id="105" name="object 7"/>
+          <p:cNvPr id="99" name="object 7"/>
           <p:cNvSpPr/>
           <p:nvPr/>
         </p:nvSpPr>
         <p:spPr>
           <a:xfrm>
             <a:off x="1336680" y="390240"/>
-            <a:ext cx="827280" cy="828720"/>
+            <a:ext cx="826920" cy="828360"/>
           </a:xfrm>
           <a:custGeom>
             <a:avLst/>
             <a:gdLst>
-              <a:gd name="textAreaLeft" fmla="*/ 0 w 827280"/>
-              <a:gd name="textAreaRight" fmla="*/ 828000 w 827280"/>
-              <a:gd name="textAreaTop" fmla="*/ 0 h 828720"/>
-              <a:gd name="textAreaBottom" fmla="*/ 829440 h 828720"/>
+              <a:gd name="textAreaLeft" fmla="*/ 0 w 826920"/>
+              <a:gd name="textAreaRight" fmla="*/ 828000 w 826920"/>
+              <a:gd name="textAreaTop" fmla="*/ 0 h 828360"/>
+              <a:gd name="textAreaBottom" fmla="*/ 829440 h 828360"/>
             </a:gdLst>
             <a:ahLst/>
             <a:rect l="textAreaLeft" t="textAreaTop" r="textAreaRight" b="textAreaBottom"/>
@@ -9103,14 +9054,14 @@
       </p:sp>
       <p:sp>
         <p:nvSpPr>
-          <p:cNvPr id="106" name="Заголовок 1"/>
+          <p:cNvPr id="100" name="Заголовок 1"/>
           <p:cNvSpPr/>
           <p:nvPr/>
         </p:nvSpPr>
         <p:spPr>
           <a:xfrm>
             <a:off x="3250440" y="527760"/>
-            <a:ext cx="5922360" cy="548640"/>
+            <a:ext cx="5922000" cy="548280"/>
           </a:xfrm>
           <a:prstGeom prst="rect">
             <a:avLst/>
@@ -9157,14 +9108,14 @@
       </p:sp>
       <p:sp>
         <p:nvSpPr>
-          <p:cNvPr id="107" name="TextBox 8"/>
+          <p:cNvPr id="101" name="TextBox 8"/>
           <p:cNvSpPr/>
           <p:nvPr/>
         </p:nvSpPr>
         <p:spPr>
           <a:xfrm>
             <a:off x="454320" y="1606320"/>
-            <a:ext cx="10798920" cy="2284200"/>
+            <a:ext cx="10798560" cy="2284200"/>
           </a:xfrm>
           <a:prstGeom prst="rect">
             <a:avLst/>
@@ -9185,6 +9136,11 @@
             <a:spAutoFit/>
           </a:bodyPr>
           <a:p>
+            <a:pPr>
+              <a:lnSpc>
+                <a:spcPct val="100000"/>
+              </a:lnSpc>
+            </a:pPr>
             <a:r>
               <a:rPr b="0" lang="ru-RU" sz="1800" spc="-1" strike="noStrike">
                 <a:solidFill>
@@ -9199,10 +9155,15 @@
               <a:solidFill>
                 <a:srgbClr val="000000"/>
               </a:solidFill>
-              <a:latin typeface="Colibri"/>
-            </a:endParaRPr>
-          </a:p>
-          <a:p>
+              <a:latin typeface="Arial"/>
+            </a:endParaRPr>
+          </a:p>
+          <a:p>
+            <a:pPr>
+              <a:lnSpc>
+                <a:spcPct val="100000"/>
+              </a:lnSpc>
+            </a:pPr>
             <a:r>
               <a:rPr b="0" lang="ru-RU" sz="1800" spc="-1" strike="noStrike">
                 <a:solidFill>
@@ -9217,10 +9178,15 @@
               <a:solidFill>
                 <a:srgbClr val="000000"/>
               </a:solidFill>
-              <a:latin typeface="Colibri"/>
-            </a:endParaRPr>
-          </a:p>
-          <a:p>
+              <a:latin typeface="Arial"/>
+            </a:endParaRPr>
+          </a:p>
+          <a:p>
+            <a:pPr>
+              <a:lnSpc>
+                <a:spcPct val="100000"/>
+              </a:lnSpc>
+            </a:pPr>
             <a:r>
               <a:rPr b="0" lang="ru-RU" sz="1800" spc="-1" strike="noStrike">
                 <a:solidFill>
@@ -9235,10 +9201,15 @@
               <a:solidFill>
                 <a:srgbClr val="000000"/>
               </a:solidFill>
-              <a:latin typeface="Colibri"/>
-            </a:endParaRPr>
-          </a:p>
-          <a:p>
+              <a:latin typeface="Arial"/>
+            </a:endParaRPr>
+          </a:p>
+          <a:p>
+            <a:pPr>
+              <a:lnSpc>
+                <a:spcPct val="100000"/>
+              </a:lnSpc>
+            </a:pPr>
             <a:r>
               <a:rPr b="0" lang="ru-RU" sz="1800" spc="-1" strike="noStrike">
                 <a:solidFill>
@@ -9253,10 +9224,15 @@
               <a:solidFill>
                 <a:srgbClr val="000000"/>
               </a:solidFill>
-              <a:latin typeface="Colibri"/>
-            </a:endParaRPr>
-          </a:p>
-          <a:p>
+              <a:latin typeface="Arial"/>
+            </a:endParaRPr>
+          </a:p>
+          <a:p>
+            <a:pPr>
+              <a:lnSpc>
+                <a:spcPct val="100000"/>
+              </a:lnSpc>
+            </a:pPr>
             <a:r>
               <a:rPr b="0" lang="ru-RU" sz="1800" spc="-1" strike="noStrike">
                 <a:solidFill>
@@ -9271,15 +9247,20 @@
               <a:solidFill>
                 <a:srgbClr val="000000"/>
               </a:solidFill>
-              <a:latin typeface="Colibri"/>
-            </a:endParaRPr>
-          </a:p>
-          <a:p>
+              <a:latin typeface="Arial"/>
+            </a:endParaRPr>
+          </a:p>
+          <a:p>
+            <a:pPr>
+              <a:lnSpc>
+                <a:spcPct val="100000"/>
+              </a:lnSpc>
+            </a:pPr>
             <a:endParaRPr b="0" lang="en-US" sz="1800" spc="-1" strike="noStrike">
               <a:solidFill>
                 <a:srgbClr val="000000"/>
               </a:solidFill>
-              <a:latin typeface="Colibri"/>
+              <a:latin typeface="Arial"/>
             </a:endParaRPr>
           </a:p>
           <a:p>
@@ -9340,54 +9321,6 @@
           </a:p>
         </p:txBody>
       </p:sp>
-      <p:pic>
-        <p:nvPicPr>
-          <p:cNvPr id="108" name="Рисунок 9" descr=""/>
-          <p:cNvPicPr/>
-          <p:nvPr/>
-        </p:nvPicPr>
-        <p:blipFill>
-          <a:blip r:embed="rId2"/>
-          <a:srcRect l="24790" t="0" r="24790" b="0"/>
-          <a:stretch/>
-        </p:blipFill>
-        <p:spPr>
-          <a:xfrm>
-            <a:off x="9189000" y="594720"/>
-            <a:ext cx="455040" cy="502200"/>
-          </a:xfrm>
-          <a:prstGeom prst="rect">
-            <a:avLst/>
-          </a:prstGeom>
-          <a:ln w="0">
-            <a:noFill/>
-          </a:ln>
-        </p:spPr>
-      </p:pic>
-      <p:pic>
-        <p:nvPicPr>
-          <p:cNvPr id="109" name="Рисунок 10" descr=""/>
-          <p:cNvPicPr/>
-          <p:nvPr/>
-        </p:nvPicPr>
-        <p:blipFill>
-          <a:blip r:embed="rId3"/>
-          <a:srcRect l="34477" t="35433" r="0" b="34035"/>
-          <a:stretch/>
-        </p:blipFill>
-        <p:spPr>
-          <a:xfrm>
-            <a:off x="9741600" y="671040"/>
-            <a:ext cx="2006280" cy="349920"/>
-          </a:xfrm>
-          <a:prstGeom prst="rect">
-            <a:avLst/>
-          </a:prstGeom>
-          <a:ln w="0">
-            <a:noFill/>
-          </a:ln>
-        </p:spPr>
-      </p:pic>
     </p:spTree>
   </p:cSld>
   <mc:AlternateContent>
@@ -9420,7 +9353,7 @@
       </p:grpSpPr>
       <p:pic>
         <p:nvPicPr>
-          <p:cNvPr id="110" name="object 4" descr=""/>
+          <p:cNvPr id="102" name="object 4" descr=""/>
           <p:cNvPicPr/>
           <p:nvPr/>
         </p:nvPicPr>
@@ -9431,7 +9364,7 @@
         <p:spPr>
           <a:xfrm>
             <a:off x="9710640" y="6028560"/>
-            <a:ext cx="1909800" cy="344520"/>
+            <a:ext cx="1909440" cy="344160"/>
           </a:xfrm>
           <a:prstGeom prst="rect">
             <a:avLst/>
@@ -9443,22 +9376,22 @@
       </p:pic>
       <p:sp>
         <p:nvSpPr>
-          <p:cNvPr id="111" name="object 5"/>
+          <p:cNvPr id="103" name="object 5"/>
           <p:cNvSpPr/>
           <p:nvPr/>
         </p:nvSpPr>
         <p:spPr>
           <a:xfrm>
             <a:off x="443520" y="390240"/>
-            <a:ext cx="827280" cy="828720"/>
+            <a:ext cx="826920" cy="828360"/>
           </a:xfrm>
           <a:custGeom>
             <a:avLst/>
             <a:gdLst>
-              <a:gd name="textAreaLeft" fmla="*/ 0 w 827280"/>
-              <a:gd name="textAreaRight" fmla="*/ 828000 w 827280"/>
-              <a:gd name="textAreaTop" fmla="*/ 0 h 828720"/>
-              <a:gd name="textAreaBottom" fmla="*/ 829440 h 828720"/>
+              <a:gd name="textAreaLeft" fmla="*/ 0 w 826920"/>
+              <a:gd name="textAreaRight" fmla="*/ 828000 w 826920"/>
+              <a:gd name="textAreaTop" fmla="*/ 0 h 828360"/>
+              <a:gd name="textAreaBottom" fmla="*/ 829440 h 828360"/>
             </a:gdLst>
             <a:ahLst/>
             <a:rect l="textAreaLeft" t="textAreaTop" r="textAreaRight" b="textAreaBottom"/>
@@ -9674,22 +9607,22 @@
       </p:sp>
       <p:sp>
         <p:nvSpPr>
-          <p:cNvPr id="112" name="object 6"/>
+          <p:cNvPr id="104" name="object 6"/>
           <p:cNvSpPr/>
           <p:nvPr/>
         </p:nvSpPr>
         <p:spPr>
           <a:xfrm>
             <a:off x="2229480" y="390240"/>
-            <a:ext cx="828720" cy="828720"/>
+            <a:ext cx="828360" cy="828360"/>
           </a:xfrm>
           <a:custGeom>
             <a:avLst/>
             <a:gdLst>
-              <a:gd name="textAreaLeft" fmla="*/ 0 w 828720"/>
-              <a:gd name="textAreaRight" fmla="*/ 829440 w 828720"/>
-              <a:gd name="textAreaTop" fmla="*/ 0 h 828720"/>
-              <a:gd name="textAreaBottom" fmla="*/ 829440 h 828720"/>
+              <a:gd name="textAreaLeft" fmla="*/ 0 w 828360"/>
+              <a:gd name="textAreaRight" fmla="*/ 829440 w 828360"/>
+              <a:gd name="textAreaTop" fmla="*/ 0 h 828360"/>
+              <a:gd name="textAreaBottom" fmla="*/ 829440 h 828360"/>
             </a:gdLst>
             <a:ahLst/>
             <a:rect l="textAreaLeft" t="textAreaTop" r="textAreaRight" b="textAreaBottom"/>
@@ -9905,22 +9838,22 @@
       </p:sp>
       <p:sp>
         <p:nvSpPr>
-          <p:cNvPr id="113" name="object 7"/>
+          <p:cNvPr id="105" name="object 7"/>
           <p:cNvSpPr/>
           <p:nvPr/>
         </p:nvSpPr>
         <p:spPr>
           <a:xfrm>
             <a:off x="1336680" y="390240"/>
-            <a:ext cx="827280" cy="828720"/>
+            <a:ext cx="826920" cy="828360"/>
           </a:xfrm>
           <a:custGeom>
             <a:avLst/>
             <a:gdLst>
-              <a:gd name="textAreaLeft" fmla="*/ 0 w 827280"/>
-              <a:gd name="textAreaRight" fmla="*/ 828000 w 827280"/>
-              <a:gd name="textAreaTop" fmla="*/ 0 h 828720"/>
-              <a:gd name="textAreaBottom" fmla="*/ 829440 h 828720"/>
+              <a:gd name="textAreaLeft" fmla="*/ 0 w 826920"/>
+              <a:gd name="textAreaRight" fmla="*/ 828000 w 826920"/>
+              <a:gd name="textAreaTop" fmla="*/ 0 h 828360"/>
+              <a:gd name="textAreaBottom" fmla="*/ 829440 h 828360"/>
             </a:gdLst>
             <a:ahLst/>
             <a:rect l="textAreaLeft" t="textAreaTop" r="textAreaRight" b="textAreaBottom"/>
@@ -10136,14 +10069,14 @@
       </p:sp>
       <p:sp>
         <p:nvSpPr>
-          <p:cNvPr id="114" name="Заголовок 1"/>
+          <p:cNvPr id="106" name="Заголовок 1"/>
           <p:cNvSpPr/>
           <p:nvPr/>
         </p:nvSpPr>
         <p:spPr>
           <a:xfrm>
             <a:off x="3155400" y="304920"/>
-            <a:ext cx="6611400" cy="1097280"/>
+            <a:ext cx="6611040" cy="1096920"/>
           </a:xfrm>
           <a:prstGeom prst="rect">
             <a:avLst/>
@@ -10190,14 +10123,14 @@
       </p:sp>
       <p:sp>
         <p:nvSpPr>
-          <p:cNvPr id="115" name="TextBox 8"/>
+          <p:cNvPr id="107" name="TextBox 8"/>
           <p:cNvSpPr/>
           <p:nvPr/>
         </p:nvSpPr>
         <p:spPr>
           <a:xfrm>
             <a:off x="653400" y="2173680"/>
-            <a:ext cx="9984240" cy="3655800"/>
+            <a:ext cx="9983880" cy="3655800"/>
           </a:xfrm>
           <a:prstGeom prst="rect">
             <a:avLst/>
@@ -10390,54 +10323,6 @@
           </a:p>
         </p:txBody>
       </p:sp>
-      <p:pic>
-        <p:nvPicPr>
-          <p:cNvPr id="116" name="Рисунок 9" descr=""/>
-          <p:cNvPicPr/>
-          <p:nvPr/>
-        </p:nvPicPr>
-        <p:blipFill>
-          <a:blip r:embed="rId2"/>
-          <a:srcRect l="24790" t="0" r="24790" b="0"/>
-          <a:stretch/>
-        </p:blipFill>
-        <p:spPr>
-          <a:xfrm>
-            <a:off x="9189000" y="374040"/>
-            <a:ext cx="455040" cy="502200"/>
-          </a:xfrm>
-          <a:prstGeom prst="rect">
-            <a:avLst/>
-          </a:prstGeom>
-          <a:ln w="0">
-            <a:noFill/>
-          </a:ln>
-        </p:spPr>
-      </p:pic>
-      <p:pic>
-        <p:nvPicPr>
-          <p:cNvPr id="117" name="Рисунок 10" descr=""/>
-          <p:cNvPicPr/>
-          <p:nvPr/>
-        </p:nvPicPr>
-        <p:blipFill>
-          <a:blip r:embed="rId3"/>
-          <a:srcRect l="34477" t="35433" r="0" b="34035"/>
-          <a:stretch/>
-        </p:blipFill>
-        <p:spPr>
-          <a:xfrm>
-            <a:off x="9741600" y="450360"/>
-            <a:ext cx="2006280" cy="349920"/>
-          </a:xfrm>
-          <a:prstGeom prst="rect">
-            <a:avLst/>
-          </a:prstGeom>
-          <a:ln w="0">
-            <a:noFill/>
-          </a:ln>
-        </p:spPr>
-      </p:pic>
     </p:spTree>
   </p:cSld>
   <mc:AlternateContent>
@@ -10470,14 +10355,14 @@
       </p:grpSpPr>
       <p:sp>
         <p:nvSpPr>
-          <p:cNvPr id="118" name="object 2"/>
+          <p:cNvPr id="108" name="object 2"/>
           <p:cNvSpPr/>
           <p:nvPr/>
         </p:nvSpPr>
         <p:spPr>
           <a:xfrm>
             <a:off x="401760" y="2660040"/>
-            <a:ext cx="5160240" cy="682560"/>
+            <a:ext cx="5159880" cy="682560"/>
           </a:xfrm>
           <a:prstGeom prst="rect">
             <a:avLst/>
@@ -10507,7 +10392,7 @@
               </a:spcBef>
             </a:pPr>
             <a:r>
-              <a:rPr b="1" lang="ru-RU" sz="4400" spc="330" strike="noStrike">
+              <a:rPr b="1" lang="ru-RU" sz="4400" spc="327" strike="noStrike">
                 <a:solidFill>
                   <a:srgbClr val="000000"/>
                 </a:solidFill>
@@ -10527,14 +10412,14 @@
       </p:sp>
       <p:sp>
         <p:nvSpPr>
-          <p:cNvPr id="119" name="object 3"/>
+          <p:cNvPr id="109" name="object 3"/>
           <p:cNvSpPr/>
           <p:nvPr/>
         </p:nvSpPr>
         <p:spPr>
           <a:xfrm>
             <a:off x="529920" y="3657600"/>
-            <a:ext cx="1607760" cy="318600"/>
+            <a:ext cx="1607400" cy="318600"/>
           </a:xfrm>
           <a:prstGeom prst="rect">
             <a:avLst/>
@@ -10610,7 +10495,7 @@
       </p:sp>
       <p:pic>
         <p:nvPicPr>
-          <p:cNvPr id="120" name="object 4" descr=""/>
+          <p:cNvPr id="110" name="object 4" descr=""/>
           <p:cNvPicPr/>
           <p:nvPr/>
         </p:nvPicPr>
@@ -10621,7 +10506,7 @@
         <p:spPr>
           <a:xfrm>
             <a:off x="9710640" y="6028560"/>
-            <a:ext cx="1909800" cy="344520"/>
+            <a:ext cx="1909440" cy="344160"/>
           </a:xfrm>
           <a:prstGeom prst="rect">
             <a:avLst/>
@@ -10633,22 +10518,22 @@
       </p:pic>
       <p:sp>
         <p:nvSpPr>
-          <p:cNvPr id="121" name="object 5"/>
+          <p:cNvPr id="111" name="object 5"/>
           <p:cNvSpPr/>
           <p:nvPr/>
         </p:nvSpPr>
         <p:spPr>
           <a:xfrm>
             <a:off x="443520" y="390240"/>
-            <a:ext cx="827280" cy="828720"/>
+            <a:ext cx="826920" cy="828360"/>
           </a:xfrm>
           <a:custGeom>
             <a:avLst/>
             <a:gdLst>
-              <a:gd name="textAreaLeft" fmla="*/ 0 w 827280"/>
-              <a:gd name="textAreaRight" fmla="*/ 828000 w 827280"/>
-              <a:gd name="textAreaTop" fmla="*/ 0 h 828720"/>
-              <a:gd name="textAreaBottom" fmla="*/ 829440 h 828720"/>
+              <a:gd name="textAreaLeft" fmla="*/ 0 w 826920"/>
+              <a:gd name="textAreaRight" fmla="*/ 828000 w 826920"/>
+              <a:gd name="textAreaTop" fmla="*/ 0 h 828360"/>
+              <a:gd name="textAreaBottom" fmla="*/ 829440 h 828360"/>
             </a:gdLst>
             <a:ahLst/>
             <a:rect l="textAreaLeft" t="textAreaTop" r="textAreaRight" b="textAreaBottom"/>
@@ -10864,22 +10749,22 @@
       </p:sp>
       <p:sp>
         <p:nvSpPr>
-          <p:cNvPr id="122" name="object 6"/>
+          <p:cNvPr id="112" name="object 6"/>
           <p:cNvSpPr/>
           <p:nvPr/>
         </p:nvSpPr>
         <p:spPr>
           <a:xfrm>
             <a:off x="2229480" y="390240"/>
-            <a:ext cx="828720" cy="828720"/>
+            <a:ext cx="828360" cy="828360"/>
           </a:xfrm>
           <a:custGeom>
             <a:avLst/>
             <a:gdLst>
-              <a:gd name="textAreaLeft" fmla="*/ 0 w 828720"/>
-              <a:gd name="textAreaRight" fmla="*/ 829440 w 828720"/>
-              <a:gd name="textAreaTop" fmla="*/ 0 h 828720"/>
-              <a:gd name="textAreaBottom" fmla="*/ 829440 h 828720"/>
+              <a:gd name="textAreaLeft" fmla="*/ 0 w 828360"/>
+              <a:gd name="textAreaRight" fmla="*/ 829440 w 828360"/>
+              <a:gd name="textAreaTop" fmla="*/ 0 h 828360"/>
+              <a:gd name="textAreaBottom" fmla="*/ 829440 h 828360"/>
             </a:gdLst>
             <a:ahLst/>
             <a:rect l="textAreaLeft" t="textAreaTop" r="textAreaRight" b="textAreaBottom"/>
@@ -11095,22 +10980,22 @@
       </p:sp>
       <p:sp>
         <p:nvSpPr>
-          <p:cNvPr id="123" name="object 7"/>
+          <p:cNvPr id="113" name="object 7"/>
           <p:cNvSpPr/>
           <p:nvPr/>
         </p:nvSpPr>
         <p:spPr>
           <a:xfrm>
             <a:off x="1336680" y="390240"/>
-            <a:ext cx="827280" cy="828720"/>
+            <a:ext cx="826920" cy="828360"/>
           </a:xfrm>
           <a:custGeom>
             <a:avLst/>
             <a:gdLst>
-              <a:gd name="textAreaLeft" fmla="*/ 0 w 827280"/>
-              <a:gd name="textAreaRight" fmla="*/ 828000 w 827280"/>
-              <a:gd name="textAreaTop" fmla="*/ 0 h 828720"/>
-              <a:gd name="textAreaBottom" fmla="*/ 829440 h 828720"/>
+              <a:gd name="textAreaLeft" fmla="*/ 0 w 826920"/>
+              <a:gd name="textAreaRight" fmla="*/ 828000 w 826920"/>
+              <a:gd name="textAreaTop" fmla="*/ 0 h 828360"/>
+              <a:gd name="textAreaBottom" fmla="*/ 829440 h 828360"/>
             </a:gdLst>
             <a:ahLst/>
             <a:rect l="textAreaLeft" t="textAreaTop" r="textAreaRight" b="textAreaBottom"/>
@@ -11324,54 +11209,6 @@
           </a:p>
         </p:txBody>
       </p:sp>
-      <p:pic>
-        <p:nvPicPr>
-          <p:cNvPr id="124" name="Рисунок 7" descr=""/>
-          <p:cNvPicPr/>
-          <p:nvPr/>
-        </p:nvPicPr>
-        <p:blipFill>
-          <a:blip r:embed="rId5"/>
-          <a:srcRect l="24790" t="0" r="24790" b="0"/>
-          <a:stretch/>
-        </p:blipFill>
-        <p:spPr>
-          <a:xfrm>
-            <a:off x="9189000" y="374040"/>
-            <a:ext cx="455040" cy="502200"/>
-          </a:xfrm>
-          <a:prstGeom prst="rect">
-            <a:avLst/>
-          </a:prstGeom>
-          <a:ln w="0">
-            <a:noFill/>
-          </a:ln>
-        </p:spPr>
-      </p:pic>
-      <p:pic>
-        <p:nvPicPr>
-          <p:cNvPr id="125" name="Рисунок 8" descr=""/>
-          <p:cNvPicPr/>
-          <p:nvPr/>
-        </p:nvPicPr>
-        <p:blipFill>
-          <a:blip r:embed="rId6"/>
-          <a:srcRect l="34477" t="35433" r="0" b="34035"/>
-          <a:stretch/>
-        </p:blipFill>
-        <p:spPr>
-          <a:xfrm>
-            <a:off x="9741600" y="450360"/>
-            <a:ext cx="2006280" cy="349920"/>
-          </a:xfrm>
-          <a:prstGeom prst="rect">
-            <a:avLst/>
-          </a:prstGeom>
-          <a:ln w="0">
-            <a:noFill/>
-          </a:ln>
-        </p:spPr>
-      </p:pic>
     </p:spTree>
   </p:cSld>
   <mc:AlternateContent>
